--- a/Annotations/Material/AnnotationOriginal.pptx
+++ b/Annotations/Material/AnnotationOriginal.pptx
@@ -26621,7 +26621,7 @@
         </p:nvSpPr>
         <p:spPr>
           <a:xfrm>
-            <a:off x="2051200" y="1830065"/>
+            <a:off x="1798690" y="2056803"/>
             <a:ext cx="4044262" cy="2238375"/>
           </a:xfrm>
           <a:prstGeom prst="rect">
@@ -26659,6 +26659,34 @@
               <a:rPr lang="en-IN" dirty="0"/>
               <a:t>	@Override</a:t>
             </a:r>
+          </a:p>
+          <a:p>
+            <a:pPr marL="76200" indent="0">
+              <a:buNone/>
+            </a:pPr>
+            <a:r>
+              <a:rPr lang="en-IN" dirty="0"/>
+              <a:t>	@</a:t>
+            </a:r>
+            <a:r>
+              <a:rPr lang="en-IN" dirty="0" err="1"/>
+              <a:t>SafeVarArgs</a:t>
+            </a:r>
+            <a:endParaRPr lang="en-IN" dirty="0"/>
+          </a:p>
+          <a:p>
+            <a:pPr marL="76200" indent="0">
+              <a:buNone/>
+            </a:pPr>
+            <a:r>
+              <a:rPr lang="en-IN" dirty="0"/>
+              <a:t>	@</a:t>
+            </a:r>
+            <a:r>
+              <a:rPr lang="en-IN" dirty="0" err="1"/>
+              <a:t>FunctionalInterface</a:t>
+            </a:r>
+            <a:endParaRPr lang="en-IN" dirty="0"/>
           </a:p>
           <a:p>
             <a:pPr marL="76200" indent="0">
@@ -27017,8 +27045,8 @@
         </p:nvSpPr>
         <p:spPr>
           <a:xfrm rot="14033486">
-            <a:off x="2525855" y="1284606"/>
-            <a:ext cx="3300412" cy="2852738"/>
+            <a:off x="2116146" y="1308047"/>
+            <a:ext cx="3986533" cy="3570523"/>
           </a:xfrm>
           <a:prstGeom prst="wedgeEllipseCallout">
             <a:avLst/>
@@ -28885,6 +28913,15 @@
             <a:r>
               <a:rPr lang="en-IN" dirty="0"/>
               <a:t>	@Documented</a:t>
+            </a:r>
+          </a:p>
+          <a:p>
+            <a:pPr marL="76200" indent="0">
+              <a:buNone/>
+            </a:pPr>
+            <a:r>
+              <a:rPr lang="en-IN" dirty="0"/>
+              <a:t>	@Repeatable</a:t>
             </a:r>
           </a:p>
         </p:txBody>
